--- a/HW_2_programming_set/HW_2_programming/HW2.pptx
+++ b/HW_2_programming_set/HW_2_programming/HW2.pptx
@@ -240,7 +240,7 @@
           <a:p>
             <a:fld id="{F0C8AC04-A67D-B24C-8E12-8FB56FC05672}" type="datetimeFigureOut">
               <a:rPr lang="en-US" smtClean="0"/>
-              <a:t>9/30/2025</a:t>
+              <a:t>10/1/2025</a:t>
             </a:fld>
             <a:endParaRPr lang="en-US"/>
           </a:p>
@@ -417,7 +417,7 @@
           <a:p>
             <a:fld id="{2DE3F71F-EE20-0840-B448-C2CC2398DE46}" type="datetimeFigureOut">
               <a:rPr lang="en-US" smtClean="0"/>
-              <a:t>9/30/2025</a:t>
+              <a:t>10/1/2025</a:t>
             </a:fld>
             <a:endParaRPr lang="en-US"/>
           </a:p>
@@ -5848,7 +5848,7 @@
           <a:p>
             <a:r>
               <a:rPr lang="en-US" dirty="0"/>
-              <a:t>Please make sure you have read the Lectures 6 &amp; 7 slide decks, especially about convolutions.</a:t>
+              <a:t>Please make sure you have read the Lectures 6 &amp; 7 &amp; 9 slide decks, especially about convolutions and the binomial filter.</a:t>
             </a:r>
           </a:p>
           <a:p>
@@ -5857,7 +5857,7 @@
           <a:p>
             <a:r>
               <a:rPr lang="en-US" dirty="0"/>
-              <a:t>Please read Textbook chapters 15, at least those covered by lectures.</a:t>
+              <a:t>Please read Textbook chapters 15 &amp; 17, at least those covered by lectures.</a:t>
             </a:r>
           </a:p>
           <a:p>
@@ -7669,8 +7669,8 @@
           </a:p>
         </p:txBody>
       </p:sp>
-      <mc:AlternateContent xmlns:mc="http://schemas.openxmlformats.org/markup-compatibility/2006">
-        <mc:Choice xmlns:a14="http://schemas.microsoft.com/office/drawing/2010/main" Requires="a14">
+      <mc:AlternateContent xmlns:mc="http://schemas.openxmlformats.org/markup-compatibility/2006" xmlns:a14="http://schemas.microsoft.com/office/drawing/2010/main">
+        <mc:Choice Requires="a14">
           <p:sp>
             <p:nvSpPr>
               <p:cNvPr id="3" name="Content Placeholder 2">
@@ -7813,7 +7813,7 @@
             </p:txBody>
           </p:sp>
         </mc:Choice>
-        <mc:Fallback>
+        <mc:Fallback xmlns="">
           <p:sp>
             <p:nvSpPr>
               <p:cNvPr id="3" name="Content Placeholder 2">
